--- a/Materials/mid-term-discussion.pptx
+++ b/Materials/mid-term-discussion.pptx
@@ -227,7 +227,7 @@
           <a:p>
             <a:fld id="{6B9A202F-4299-479C-B15E-F143261314E2}" type="datetimeFigureOut">
               <a:rPr lang="ru-RU" smtClean="0"/>
-              <a:t>01.05.2025</a:t>
+              <a:t>02.05.2025</a:t>
             </a:fld>
             <a:endParaRPr lang="ru-RU"/>
           </a:p>
@@ -623,7 +623,7 @@
           <a:p>
             <a:fld id="{32C0110C-44BF-413A-8FA8-51FBC9510905}" type="datetimeFigureOut">
               <a:rPr lang="ru-RU" smtClean="0"/>
-              <a:t>01.05.2025</a:t>
+              <a:t>02.05.2025</a:t>
             </a:fld>
             <a:endParaRPr lang="ru-RU"/>
           </a:p>
@@ -791,7 +791,7 @@
           <a:p>
             <a:fld id="{32C0110C-44BF-413A-8FA8-51FBC9510905}" type="datetimeFigureOut">
               <a:rPr lang="ru-RU" smtClean="0"/>
-              <a:t>01.05.2025</a:t>
+              <a:t>02.05.2025</a:t>
             </a:fld>
             <a:endParaRPr lang="ru-RU"/>
           </a:p>
@@ -969,7 +969,7 @@
           <a:p>
             <a:fld id="{32C0110C-44BF-413A-8FA8-51FBC9510905}" type="datetimeFigureOut">
               <a:rPr lang="ru-RU" smtClean="0"/>
-              <a:t>01.05.2025</a:t>
+              <a:t>02.05.2025</a:t>
             </a:fld>
             <a:endParaRPr lang="ru-RU"/>
           </a:p>
@@ -1137,7 +1137,7 @@
           <a:p>
             <a:fld id="{32C0110C-44BF-413A-8FA8-51FBC9510905}" type="datetimeFigureOut">
               <a:rPr lang="ru-RU" smtClean="0"/>
-              <a:t>01.05.2025</a:t>
+              <a:t>02.05.2025</a:t>
             </a:fld>
             <a:endParaRPr lang="ru-RU"/>
           </a:p>
@@ -1382,7 +1382,7 @@
           <a:p>
             <a:fld id="{32C0110C-44BF-413A-8FA8-51FBC9510905}" type="datetimeFigureOut">
               <a:rPr lang="ru-RU" smtClean="0"/>
-              <a:t>01.05.2025</a:t>
+              <a:t>02.05.2025</a:t>
             </a:fld>
             <a:endParaRPr lang="ru-RU"/>
           </a:p>
@@ -1611,7 +1611,7 @@
           <a:p>
             <a:fld id="{32C0110C-44BF-413A-8FA8-51FBC9510905}" type="datetimeFigureOut">
               <a:rPr lang="ru-RU" smtClean="0"/>
-              <a:t>01.05.2025</a:t>
+              <a:t>02.05.2025</a:t>
             </a:fld>
             <a:endParaRPr lang="ru-RU"/>
           </a:p>
@@ -1975,7 +1975,7 @@
           <a:p>
             <a:fld id="{32C0110C-44BF-413A-8FA8-51FBC9510905}" type="datetimeFigureOut">
               <a:rPr lang="ru-RU" smtClean="0"/>
-              <a:t>01.05.2025</a:t>
+              <a:t>02.05.2025</a:t>
             </a:fld>
             <a:endParaRPr lang="ru-RU"/>
           </a:p>
@@ -2092,7 +2092,7 @@
           <a:p>
             <a:fld id="{32C0110C-44BF-413A-8FA8-51FBC9510905}" type="datetimeFigureOut">
               <a:rPr lang="ru-RU" smtClean="0"/>
-              <a:t>01.05.2025</a:t>
+              <a:t>02.05.2025</a:t>
             </a:fld>
             <a:endParaRPr lang="ru-RU"/>
           </a:p>
@@ -2187,7 +2187,7 @@
           <a:p>
             <a:fld id="{32C0110C-44BF-413A-8FA8-51FBC9510905}" type="datetimeFigureOut">
               <a:rPr lang="ru-RU" smtClean="0"/>
-              <a:t>01.05.2025</a:t>
+              <a:t>02.05.2025</a:t>
             </a:fld>
             <a:endParaRPr lang="ru-RU"/>
           </a:p>
@@ -2462,7 +2462,7 @@
           <a:p>
             <a:fld id="{32C0110C-44BF-413A-8FA8-51FBC9510905}" type="datetimeFigureOut">
               <a:rPr lang="ru-RU" smtClean="0"/>
-              <a:t>01.05.2025</a:t>
+              <a:t>02.05.2025</a:t>
             </a:fld>
             <a:endParaRPr lang="ru-RU"/>
           </a:p>
@@ -2714,7 +2714,7 @@
           <a:p>
             <a:fld id="{32C0110C-44BF-413A-8FA8-51FBC9510905}" type="datetimeFigureOut">
               <a:rPr lang="ru-RU" smtClean="0"/>
-              <a:t>01.05.2025</a:t>
+              <a:t>02.05.2025</a:t>
             </a:fld>
             <a:endParaRPr lang="ru-RU"/>
           </a:p>
@@ -2925,7 +2925,7 @@
           <a:p>
             <a:fld id="{32C0110C-44BF-413A-8FA8-51FBC9510905}" type="datetimeFigureOut">
               <a:rPr lang="ru-RU" smtClean="0"/>
-              <a:t>01.05.2025</a:t>
+              <a:t>02.05.2025</a:t>
             </a:fld>
             <a:endParaRPr lang="ru-RU"/>
           </a:p>
@@ -10330,10 +10330,10 @@
       </p:pic>
       <p:pic>
         <p:nvPicPr>
-          <p:cNvPr id="8" name="Рисунок 7">
-            <a:extLst>
-              <a:ext uri="{FF2B5EF4-FFF2-40B4-BE49-F238E27FC236}">
-                <a16:creationId xmlns:a16="http://schemas.microsoft.com/office/drawing/2014/main" id="{FE88F390-0EF8-0E1A-7459-D6C044E1A3EF}"/>
+          <p:cNvPr id="10" name="Рисунок 9">
+            <a:extLst>
+              <a:ext uri="{FF2B5EF4-FFF2-40B4-BE49-F238E27FC236}">
+                <a16:creationId xmlns:a16="http://schemas.microsoft.com/office/drawing/2014/main" id="{C34CAF1A-BB51-CB57-497B-63224FA02DFD}"/>
               </a:ext>
             </a:extLst>
           </p:cNvPr>
@@ -10344,42 +10344,6 @@
         </p:nvPicPr>
         <p:blipFill>
           <a:blip r:embed="rId3">
-            <a:extLst>
-              <a:ext uri="{28A0092B-C50C-407E-A947-70E740481C1C}">
-                <a14:useLocalDpi xmlns:a14="http://schemas.microsoft.com/office/drawing/2010/main" val="0"/>
-              </a:ext>
-            </a:extLst>
-          </a:blip>
-          <a:stretch>
-            <a:fillRect/>
-          </a:stretch>
-        </p:blipFill>
-        <p:spPr>
-          <a:xfrm>
-            <a:off x="442197" y="4727777"/>
-            <a:ext cx="7474729" cy="833050"/>
-          </a:xfrm>
-          <a:prstGeom prst="rect">
-            <a:avLst/>
-          </a:prstGeom>
-        </p:spPr>
-      </p:pic>
-      <p:pic>
-        <p:nvPicPr>
-          <p:cNvPr id="10" name="Рисунок 9">
-            <a:extLst>
-              <a:ext uri="{FF2B5EF4-FFF2-40B4-BE49-F238E27FC236}">
-                <a16:creationId xmlns:a16="http://schemas.microsoft.com/office/drawing/2014/main" id="{C34CAF1A-BB51-CB57-497B-63224FA02DFD}"/>
-              </a:ext>
-            </a:extLst>
-          </p:cNvPr>
-          <p:cNvPicPr>
-            <a:picLocks noChangeAspect="1"/>
-          </p:cNvPicPr>
-          <p:nvPr/>
-        </p:nvPicPr>
-        <p:blipFill>
-          <a:blip r:embed="rId4">
             <a:extLst>
               <a:ext uri="{28A0092B-C50C-407E-A947-70E740481C1C}">
                 <a14:useLocalDpi xmlns:a14="http://schemas.microsoft.com/office/drawing/2010/main" val="0"/>
@@ -10436,6 +10400,42 @@
           </a:p>
         </p:txBody>
       </p:sp>
+      <p:pic>
+        <p:nvPicPr>
+          <p:cNvPr id="3" name="Рисунок 2">
+            <a:extLst>
+              <a:ext uri="{FF2B5EF4-FFF2-40B4-BE49-F238E27FC236}">
+                <a16:creationId xmlns:a16="http://schemas.microsoft.com/office/drawing/2014/main" id="{E544E508-8F07-D904-822D-DB4CB0E55263}"/>
+              </a:ext>
+            </a:extLst>
+          </p:cNvPr>
+          <p:cNvPicPr>
+            <a:picLocks noChangeAspect="1"/>
+          </p:cNvPicPr>
+          <p:nvPr/>
+        </p:nvPicPr>
+        <p:blipFill>
+          <a:blip r:embed="rId4">
+            <a:extLst>
+              <a:ext uri="{28A0092B-C50C-407E-A947-70E740481C1C}">
+                <a14:useLocalDpi xmlns:a14="http://schemas.microsoft.com/office/drawing/2010/main" val="0"/>
+              </a:ext>
+            </a:extLst>
+          </a:blip>
+          <a:stretch>
+            <a:fillRect/>
+          </a:stretch>
+        </p:blipFill>
+        <p:spPr>
+          <a:xfrm>
+            <a:off x="431562" y="4704093"/>
+            <a:ext cx="7255777" cy="848584"/>
+          </a:xfrm>
+          <a:prstGeom prst="rect">
+            <a:avLst/>
+          </a:prstGeom>
+        </p:spPr>
+      </p:pic>
     </p:spTree>
     <p:extLst>
       <p:ext uri="{BB962C8B-B14F-4D97-AF65-F5344CB8AC3E}">
